--- a/Video/intro.pptx
+++ b/Video/intro.pptx
@@ -5,13 +5,14 @@
     <p:sldMasterId id="2147483738" r:id="rId1"/>
   </p:sldMasterIdLst>
   <p:notesMasterIdLst>
-    <p:notesMasterId r:id="rId3"/>
+    <p:notesMasterId r:id="rId4"/>
   </p:notesMasterIdLst>
   <p:handoutMasterIdLst>
-    <p:handoutMasterId r:id="rId4"/>
+    <p:handoutMasterId r:id="rId5"/>
   </p:handoutMasterIdLst>
   <p:sldIdLst>
     <p:sldId id="340" r:id="rId2"/>
+    <p:sldId id="342" r:id="rId3"/>
   </p:sldIdLst>
   <p:sldSz cx="12192000" cy="6858000"/>
   <p:notesSz cx="6858000" cy="9144000"/>
@@ -132,10 +133,6 @@
 </p:presentation>
 </file>
 
-<file path=ppt/revisionInfo.xml><?xml version="1.0" encoding="utf-8"?>
-<p1510:revInfo xmlns:a="http://schemas.openxmlformats.org/drawingml/2006/main" xmlns:r="http://schemas.openxmlformats.org/officeDocument/2006/relationships" xmlns:p1510="http://schemas.microsoft.com/office/powerpoint/2015/10/main"/>
-</file>
-
 <file path=ppt/handoutMasters/handoutMaster1.xml><?xml version="1.0" encoding="utf-8"?>
 <p:handoutMaster xmlns:a="http://schemas.openxmlformats.org/drawingml/2006/main" xmlns:r="http://schemas.openxmlformats.org/officeDocument/2006/relationships" xmlns:p="http://schemas.openxmlformats.org/presentationml/2006/main">
   <p:cSld>
@@ -218,7 +215,7 @@
           <a:p>
             <a:fld id="{B0C7BD11-D662-4F93-8E57-326ED02B30BF}" type="datetimeFigureOut">
               <a:rPr lang="en-US" smtClean="0"/>
-              <a:t>1/6/2018</a:t>
+              <a:t>2/26/2018</a:t>
             </a:fld>
             <a:endParaRPr lang="en-US" dirty="0"/>
           </a:p>
@@ -384,7 +381,7 @@
             <a:fld id="{D2F63E33-E6FB-4250-A920-0AA7F891E235}" type="datetimeFigureOut">
               <a:rPr lang="de-DE" smtClean="0"/>
               <a:pPr/>
-              <a:t>06.01.2018</a:t>
+              <a:t>26.02.2018</a:t>
             </a:fld>
             <a:endParaRPr lang="de-DE" dirty="0"/>
           </a:p>
@@ -777,6 +774,138 @@
     <p:extLst>
       <p:ext uri="{BB962C8B-B14F-4D97-AF65-F5344CB8AC3E}">
         <p14:creationId xmlns:p14="http://schemas.microsoft.com/office/powerpoint/2010/main" val="1182838335"/>
+      </p:ext>
+    </p:extLst>
+  </p:cSld>
+  <p:clrMapOvr>
+    <a:masterClrMapping/>
+  </p:clrMapOvr>
+</p:notes>
+</file>
+
+<file path=ppt/notesSlides/notesSlide2.xml><?xml version="1.0" encoding="utf-8"?>
+<p:notes xmlns:a="http://schemas.openxmlformats.org/drawingml/2006/main" xmlns:r="http://schemas.openxmlformats.org/officeDocument/2006/relationships" xmlns:p="http://schemas.openxmlformats.org/presentationml/2006/main">
+  <p:cSld>
+    <p:spTree>
+      <p:nvGrpSpPr>
+        <p:cNvPr id="1" name=""/>
+        <p:cNvGrpSpPr/>
+        <p:nvPr/>
+      </p:nvGrpSpPr>
+      <p:grpSpPr>
+        <a:xfrm>
+          <a:off x="0" y="0"/>
+          <a:ext cx="0" cy="0"/>
+          <a:chOff x="0" y="0"/>
+          <a:chExt cx="0" cy="0"/>
+        </a:xfrm>
+      </p:grpSpPr>
+      <p:sp>
+        <p:nvSpPr>
+          <p:cNvPr id="2" name="Folienbildplatzhalter 1"/>
+          <p:cNvSpPr>
+            <a:spLocks noGrp="1" noRot="1" noChangeAspect="1"/>
+          </p:cNvSpPr>
+          <p:nvPr>
+            <p:ph type="sldImg"/>
+          </p:nvPr>
+        </p:nvSpPr>
+        <p:spPr/>
+      </p:sp>
+      <p:sp>
+        <p:nvSpPr>
+          <p:cNvPr id="3" name="Notizenplatzhalter 2"/>
+          <p:cNvSpPr>
+            <a:spLocks noGrp="1"/>
+          </p:cNvSpPr>
+          <p:nvPr>
+            <p:ph type="body" idx="1"/>
+          </p:nvPr>
+        </p:nvSpPr>
+        <p:spPr/>
+        <p:txBody>
+          <a:bodyPr/>
+          <a:lstStyle/>
+          <a:p>
+            <a:r>
+              <a:rPr lang="de-DE" dirty="0"/>
+              <a:t>This </a:t>
+            </a:r>
+            <a:r>
+              <a:rPr lang="de-DE" dirty="0" err="1"/>
+              <a:t>is</a:t>
+            </a:r>
+            <a:r>
+              <a:rPr lang="de-DE" dirty="0"/>
+              <a:t> an </a:t>
+            </a:r>
+            <a:r>
+              <a:rPr lang="de-DE" dirty="0" err="1"/>
+              <a:t>explanitory</a:t>
+            </a:r>
+            <a:r>
+              <a:rPr lang="de-DE" dirty="0"/>
+              <a:t> </a:t>
+            </a:r>
+            <a:r>
+              <a:rPr lang="de-DE" dirty="0" err="1"/>
+              <a:t>video</a:t>
+            </a:r>
+            <a:r>
+              <a:rPr lang="de-DE" dirty="0"/>
+              <a:t> on </a:t>
+            </a:r>
+            <a:r>
+              <a:rPr lang="de-DE" dirty="0" err="1"/>
+              <a:t>the</a:t>
+            </a:r>
+            <a:r>
+              <a:rPr lang="de-DE" dirty="0"/>
+              <a:t> </a:t>
+            </a:r>
+            <a:r>
+              <a:rPr lang="de-DE" dirty="0" err="1"/>
+              <a:t>thesis</a:t>
+            </a:r>
+            <a:r>
+              <a:rPr lang="de-DE" dirty="0"/>
+              <a:t> </a:t>
+            </a:r>
+            <a:r>
+              <a:rPr lang="en-US" dirty="0"/>
+              <a:t>Veriﬁcation of non-functional Properties on Component and Connector Models</a:t>
+            </a:r>
+          </a:p>
+        </p:txBody>
+      </p:sp>
+      <p:sp>
+        <p:nvSpPr>
+          <p:cNvPr id="4" name="Foliennummernplatzhalter 3"/>
+          <p:cNvSpPr>
+            <a:spLocks noGrp="1"/>
+          </p:cNvSpPr>
+          <p:nvPr>
+            <p:ph type="sldNum" sz="quarter" idx="10"/>
+          </p:nvPr>
+        </p:nvSpPr>
+        <p:spPr/>
+        <p:txBody>
+          <a:bodyPr/>
+          <a:lstStyle/>
+          <a:p>
+            <a:fld id="{127A2527-8F30-47DF-80B2-0F8CB5C8ED7B}" type="slidenum">
+              <a:rPr lang="de-DE" smtClean="0"/>
+              <a:pPr/>
+              <a:t>2</a:t>
+            </a:fld>
+            <a:endParaRPr lang="de-DE" dirty="0"/>
+          </a:p>
+        </p:txBody>
+      </p:sp>
+    </p:spTree>
+    <p:extLst>
+      <p:ext uri="{BB962C8B-B14F-4D97-AF65-F5344CB8AC3E}">
+        <p14:creationId xmlns:p14="http://schemas.microsoft.com/office/powerpoint/2010/main" val="2163567497"/>
       </p:ext>
     </p:extLst>
   </p:cSld>
@@ -5353,7 +5482,7 @@
           <a:p>
             <a:r>
               <a:rPr lang="en-US" dirty="0"/>
-              <a:t>Explanatory video for the project:</a:t>
+              <a:t>Introduction to the project:</a:t>
             </a:r>
             <a:br>
               <a:rPr lang="en-US" dirty="0"/>
@@ -5363,7 +5492,35 @@
             </a:br>
             <a:r>
               <a:rPr lang="en-US" dirty="0"/>
-              <a:t> "High Altitude </a:t>
+              <a:t> "</a:t>
+            </a:r>
+            <a:r>
+              <a:rPr lang="en-US" dirty="0">
+                <a:solidFill>
+                  <a:srgbClr val="00549F"/>
+                </a:solidFill>
+              </a:rPr>
+              <a:t>H</a:t>
+            </a:r>
+            <a:r>
+              <a:rPr lang="en-US" dirty="0"/>
+              <a:t>igh </a:t>
+            </a:r>
+            <a:r>
+              <a:rPr lang="en-US" dirty="0">
+                <a:solidFill>
+                  <a:srgbClr val="00549F"/>
+                </a:solidFill>
+              </a:rPr>
+              <a:t>A</a:t>
+            </a:r>
+            <a:r>
+              <a:rPr lang="en-US" dirty="0"/>
+              <a:t>ltitude </a:t>
+            </a:r>
+            <a:r>
+              <a:rPr lang="en-US" dirty="0" err="1"/>
+              <a:t>e</a:t>
             </a:r>
             <a:r>
               <a:rPr lang="en-US" dirty="0" err="1">
@@ -5371,7 +5528,7 @@
                   <a:srgbClr val="00549F"/>
                 </a:solidFill>
               </a:rPr>
-              <a:t>eX</a:t>
+              <a:t>X</a:t>
             </a:r>
             <a:r>
               <a:rPr lang="en-US" dirty="0" err="1"/>
@@ -5379,7 +5536,19 @@
             </a:r>
             <a:r>
               <a:rPr lang="en-US" dirty="0"/>
-              <a:t> Probe"</a:t>
+              <a:t> </a:t>
+            </a:r>
+            <a:r>
+              <a:rPr lang="en-US" dirty="0">
+                <a:solidFill>
+                  <a:srgbClr val="00549F"/>
+                </a:solidFill>
+              </a:rPr>
+              <a:t>Pro</a:t>
+            </a:r>
+            <a:r>
+              <a:rPr lang="en-US" dirty="0"/>
+              <a:t>be"</a:t>
             </a:r>
             <a:endParaRPr lang="de-DE" dirty="0"/>
           </a:p>
@@ -5507,10 +5676,158 @@
   </p:clrMapOvr>
   <mc:AlternateContent xmlns:mc="http://schemas.openxmlformats.org/markup-compatibility/2006">
     <mc:Choice xmlns:p14="http://schemas.microsoft.com/office/powerpoint/2010/main" Requires="p14">
-      <p:transition p14:dur="10" advTm="10543"/>
+      <p:transition p14:dur="10" advTm="2289"/>
     </mc:Choice>
     <mc:Fallback>
-      <p:transition advTm="10543"/>
+      <p:transition advTm="2289"/>
+    </mc:Fallback>
+  </mc:AlternateContent>
+</p:sld>
+</file>
+
+<file path=ppt/slides/slide2.xml><?xml version="1.0" encoding="utf-8"?>
+<p:sld xmlns:a="http://schemas.openxmlformats.org/drawingml/2006/main" xmlns:r="http://schemas.openxmlformats.org/officeDocument/2006/relationships" xmlns:p="http://schemas.openxmlformats.org/presentationml/2006/main">
+  <p:cSld>
+    <p:spTree>
+      <p:nvGrpSpPr>
+        <p:cNvPr id="1" name=""/>
+        <p:cNvGrpSpPr/>
+        <p:nvPr/>
+      </p:nvGrpSpPr>
+      <p:grpSpPr>
+        <a:xfrm>
+          <a:off x="0" y="0"/>
+          <a:ext cx="0" cy="0"/>
+          <a:chOff x="0" y="0"/>
+          <a:chExt cx="0" cy="0"/>
+        </a:xfrm>
+      </p:grpSpPr>
+      <p:sp>
+        <p:nvSpPr>
+          <p:cNvPr id="2" name="Titel 1">
+            <a:extLst>
+              <a:ext uri="{FF2B5EF4-FFF2-40B4-BE49-F238E27FC236}">
+                <a16:creationId xmlns:a16="http://schemas.microsoft.com/office/drawing/2014/main" id="{FFCF1093-58A5-4642-9E47-253B1940695F}"/>
+              </a:ext>
+            </a:extLst>
+          </p:cNvPr>
+          <p:cNvSpPr>
+            <a:spLocks noGrp="1"/>
+          </p:cNvSpPr>
+          <p:nvPr>
+            <p:ph type="ctrTitle"/>
+          </p:nvPr>
+        </p:nvSpPr>
+        <p:spPr>
+          <a:xfrm>
+            <a:off x="288758" y="737938"/>
+            <a:ext cx="11630526" cy="4130842"/>
+          </a:xfrm>
+        </p:spPr>
+        <p:txBody>
+          <a:bodyPr>
+            <a:normAutofit/>
+          </a:bodyPr>
+          <a:lstStyle/>
+          <a:p>
+            <a:r>
+              <a:rPr lang="en-US" dirty="0" err="1">
+                <a:solidFill>
+                  <a:srgbClr val="00549F"/>
+                </a:solidFill>
+              </a:rPr>
+              <a:t>HAXPro</a:t>
+            </a:r>
+            <a:br>
+              <a:rPr lang="en-US" dirty="0"/>
+            </a:br>
+            <a:br>
+              <a:rPr lang="en-US" dirty="0"/>
+            </a:br>
+            <a:r>
+              <a:rPr lang="en-US" dirty="0"/>
+              <a:t> "</a:t>
+            </a:r>
+            <a:r>
+              <a:rPr lang="en-US" dirty="0">
+                <a:solidFill>
+                  <a:srgbClr val="00549F"/>
+                </a:solidFill>
+              </a:rPr>
+              <a:t>H</a:t>
+            </a:r>
+            <a:r>
+              <a:rPr lang="en-US" dirty="0"/>
+              <a:t>igh </a:t>
+            </a:r>
+            <a:r>
+              <a:rPr lang="en-US" dirty="0">
+                <a:solidFill>
+                  <a:srgbClr val="00549F"/>
+                </a:solidFill>
+              </a:rPr>
+              <a:t>A</a:t>
+            </a:r>
+            <a:r>
+              <a:rPr lang="en-US" dirty="0"/>
+              <a:t>ltitude </a:t>
+            </a:r>
+            <a:r>
+              <a:rPr lang="en-US" dirty="0" err="1"/>
+              <a:t>e</a:t>
+            </a:r>
+            <a:r>
+              <a:rPr lang="en-US" dirty="0" err="1">
+                <a:solidFill>
+                  <a:srgbClr val="00549F"/>
+                </a:solidFill>
+              </a:rPr>
+              <a:t>X</a:t>
+            </a:r>
+            <a:r>
+              <a:rPr lang="en-US" dirty="0" err="1"/>
+              <a:t>ploration</a:t>
+            </a:r>
+            <a:r>
+              <a:rPr lang="en-US" dirty="0"/>
+              <a:t> </a:t>
+            </a:r>
+            <a:r>
+              <a:rPr lang="en-US" dirty="0">
+                <a:solidFill>
+                  <a:srgbClr val="00549F"/>
+                </a:solidFill>
+              </a:rPr>
+              <a:t>Pro</a:t>
+            </a:r>
+            <a:r>
+              <a:rPr lang="en-US" dirty="0"/>
+              <a:t>be"</a:t>
+            </a:r>
+            <a:endParaRPr lang="de-DE" dirty="0"/>
+          </a:p>
+        </p:txBody>
+      </p:sp>
+    </p:spTree>
+    <p:extLst>
+      <p:ext uri="{BB962C8B-B14F-4D97-AF65-F5344CB8AC3E}">
+        <p14:creationId xmlns:p14="http://schemas.microsoft.com/office/powerpoint/2010/main" val="1119688863"/>
+      </p:ext>
+    </p:extLst>
+  </p:cSld>
+  <p:clrMapOvr>
+    <a:masterClrMapping/>
+  </p:clrMapOvr>
+  <mc:AlternateContent xmlns:mc="http://schemas.openxmlformats.org/markup-compatibility/2006">
+    <mc:Choice xmlns:p14="http://schemas.microsoft.com/office/powerpoint/2010/main" Requires="p14">
+      <p:transition spd="slow" p14:dur="2000" advTm="2530">
+        <p:fade/>
+      </p:transition>
+    </mc:Choice>
+    <mc:Fallback>
+      <p:transition spd="slow" advTm="2530">
+        <p:fade/>
+      </p:transition>
     </mc:Fallback>
   </mc:AlternateContent>
 </p:sld>

--- a/Video/intro.pptx
+++ b/Video/intro.pptx
@@ -215,7 +215,7 @@
           <a:p>
             <a:fld id="{B0C7BD11-D662-4F93-8E57-326ED02B30BF}" type="datetimeFigureOut">
               <a:rPr lang="en-US" smtClean="0"/>
-              <a:t>2/26/2018</a:t>
+              <a:t>3/16/2018</a:t>
             </a:fld>
             <a:endParaRPr lang="en-US" dirty="0"/>
           </a:p>
@@ -381,7 +381,7 @@
             <a:fld id="{D2F63E33-E6FB-4250-A920-0AA7F891E235}" type="datetimeFigureOut">
               <a:rPr lang="de-DE" smtClean="0"/>
               <a:pPr/>
-              <a:t>26.02.2018</a:t>
+              <a:t>16.03.2018</a:t>
             </a:fld>
             <a:endParaRPr lang="de-DE" dirty="0"/>
           </a:p>
@@ -5611,7 +5611,15 @@
           <a:p>
             <a:r>
               <a:rPr lang="en-US" dirty="0"/>
-              <a:t>Supervised by Bernhard </a:t>
+              <a:t>Supervised by von </a:t>
+            </a:r>
+            <a:r>
+              <a:rPr lang="en-US" dirty="0" err="1"/>
+              <a:t>Wenckstern</a:t>
+            </a:r>
+            <a:r>
+              <a:rPr lang="en-US" dirty="0"/>
+              <a:t>, Prof. </a:t>
             </a:r>
             <a:r>
               <a:rPr lang="en-US" dirty="0" err="1"/>
@@ -5674,11 +5682,11 @@
   <p:clrMapOvr>
     <a:masterClrMapping/>
   </p:clrMapOvr>
-  <mc:AlternateContent xmlns:mc="http://schemas.openxmlformats.org/markup-compatibility/2006">
-    <mc:Choice xmlns:p14="http://schemas.microsoft.com/office/powerpoint/2010/main" Requires="p14">
+  <mc:AlternateContent xmlns:mc="http://schemas.openxmlformats.org/markup-compatibility/2006" xmlns:p14="http://schemas.microsoft.com/office/powerpoint/2010/main">
+    <mc:Choice Requires="p14">
       <p:transition p14:dur="10" advTm="2289"/>
     </mc:Choice>
-    <mc:Fallback>
+    <mc:Fallback xmlns="">
       <p:transition advTm="2289"/>
     </mc:Fallback>
   </mc:AlternateContent>
@@ -5818,13 +5826,13 @@
   <p:clrMapOvr>
     <a:masterClrMapping/>
   </p:clrMapOvr>
-  <mc:AlternateContent xmlns:mc="http://schemas.openxmlformats.org/markup-compatibility/2006">
-    <mc:Choice xmlns:p14="http://schemas.microsoft.com/office/powerpoint/2010/main" Requires="p14">
+  <mc:AlternateContent xmlns:mc="http://schemas.openxmlformats.org/markup-compatibility/2006" xmlns:p14="http://schemas.microsoft.com/office/powerpoint/2010/main">
+    <mc:Choice Requires="p14">
       <p:transition spd="slow" p14:dur="2000" advTm="2530">
         <p:fade/>
       </p:transition>
     </mc:Choice>
-    <mc:Fallback>
+    <mc:Fallback xmlns="">
       <p:transition spd="slow" advTm="2530">
         <p:fade/>
       </p:transition>

--- a/Video/intro.pptx
+++ b/Video/intro.pptx
@@ -12,7 +12,7 @@
   </p:handoutMasterIdLst>
   <p:sldIdLst>
     <p:sldId id="340" r:id="rId2"/>
-    <p:sldId id="342" r:id="rId3"/>
+    <p:sldId id="344" r:id="rId3"/>
   </p:sldIdLst>
   <p:sldSz cx="12192000" cy="6858000"/>
   <p:notesSz cx="6858000" cy="9144000"/>
@@ -117,7 +117,7 @@
         <p14:section name="Standardabschnitt" id="{7E8284D0-7A89-4215-82D3-84C0AE6BC7DF}">
           <p14:sldIdLst>
             <p14:sldId id="340"/>
-            <p14:sldId id="342"/>
+            <p14:sldId id="344"/>
           </p14:sldIdLst>
         </p14:section>
       </p14:sectionLst>
@@ -915,7 +915,7 @@
     </p:spTree>
     <p:extLst>
       <p:ext uri="{BB962C8B-B14F-4D97-AF65-F5344CB8AC3E}">
-        <p14:creationId xmlns:p14="http://schemas.microsoft.com/office/powerpoint/2010/main" val="2163567497"/>
+        <p14:creationId xmlns:p14="http://schemas.microsoft.com/office/powerpoint/2010/main" val="2736159485"/>
       </p:ext>
     </p:extLst>
   </p:cSld>
@@ -1964,8 +1964,8 @@
         </p:nvSpPr>
         <p:spPr>
           <a:xfrm>
-            <a:off x="288758" y="737938"/>
-            <a:ext cx="11630526" cy="4130842"/>
+            <a:off x="407368" y="1169986"/>
+            <a:ext cx="11630526" cy="3627166"/>
           </a:xfrm>
         </p:spPr>
         <p:txBody>
@@ -2042,90 +2042,11 @@
             </a:r>
             <a:r>
               <a:rPr lang="en-US" dirty="0"/>
-              <a:t>be"</a:t>
-            </a:r>
-            <a:endParaRPr lang="de-DE" dirty="0"/>
-          </a:p>
-        </p:txBody>
-      </p:sp>
-      <p:sp>
-        <p:nvSpPr>
-          <p:cNvPr id="3" name="Untertitel 2">
-            <a:extLst>
-              <a:ext uri="{FF2B5EF4-FFF2-40B4-BE49-F238E27FC236}">
-                <a16:creationId xmlns:a16="http://schemas.microsoft.com/office/drawing/2014/main" id="{9AA91836-B3B5-4CB9-A4E2-F3E2DE6A2017}"/>
-              </a:ext>
-            </a:extLst>
-          </p:cNvPr>
-          <p:cNvSpPr>
-            <a:spLocks noGrp="1"/>
-          </p:cNvSpPr>
-          <p:nvPr>
-            <p:ph type="subTitle" idx="1"/>
-          </p:nvPr>
-        </p:nvSpPr>
-        <p:spPr>
-          <a:xfrm>
-            <a:off x="1524000" y="5061283"/>
-            <a:ext cx="9144000" cy="1319463"/>
-          </a:xfrm>
-        </p:spPr>
-        <p:txBody>
-          <a:bodyPr>
-            <a:normAutofit lnSpcReduction="10000"/>
-          </a:bodyPr>
-          <a:lstStyle/>
-          <a:p>
-            <a:r>
-              <a:rPr lang="en-US" dirty="0"/>
-              <a:t>Ferdinand </a:t>
-            </a:r>
-            <a:r>
-              <a:rPr lang="en-US" dirty="0" err="1"/>
-              <a:t>Mehlan</a:t>
-            </a:r>
-            <a:r>
-              <a:rPr lang="en-US" dirty="0"/>
-              <a:t>, Florian </a:t>
-            </a:r>
-            <a:r>
-              <a:rPr lang="en-US" dirty="0" err="1"/>
-              <a:t>Claes</a:t>
-            </a:r>
-            <a:r>
-              <a:rPr lang="en-US" dirty="0"/>
-              <a:t>, Nico </a:t>
-            </a:r>
-            <a:r>
-              <a:rPr lang="en-US" dirty="0" err="1"/>
-              <a:t>Entz</a:t>
-            </a:r>
-            <a:endParaRPr lang="en-US" dirty="0"/>
-          </a:p>
-          <a:p>
-            <a:r>
-              <a:rPr lang="en-US" dirty="0"/>
-              <a:t>Supervised by von </a:t>
-            </a:r>
-            <a:r>
-              <a:rPr lang="en-US" dirty="0" err="1"/>
-              <a:t>Wenckstern</a:t>
-            </a:r>
-            <a:r>
-              <a:rPr lang="en-US" dirty="0"/>
-              <a:t>, Prof. </a:t>
-            </a:r>
-            <a:r>
-              <a:rPr lang="en-US" dirty="0" err="1"/>
-              <a:t>Rumpe</a:t>
-            </a:r>
-            <a:endParaRPr lang="en-US" dirty="0"/>
-          </a:p>
-          <a:p>
-            <a:r>
-              <a:rPr lang="en-US" dirty="0"/>
-              <a:t> RWTH Aachen</a:t>
-            </a:r>
+              <a:t>be“</a:t>
+            </a:r>
+            <a:br>
+              <a:rPr lang="en-US" dirty="0"/>
+            </a:br>
             <a:endParaRPr lang="de-DE" dirty="0"/>
           </a:p>
         </p:txBody>
@@ -2166,6 +2087,337 @@
           </a:prstGeom>
         </p:spPr>
       </p:pic>
+      <p:sp>
+        <p:nvSpPr>
+          <p:cNvPr id="7" name="Untertitel 2">
+            <a:extLst>
+              <a:ext uri="{FF2B5EF4-FFF2-40B4-BE49-F238E27FC236}">
+                <a16:creationId xmlns:a16="http://schemas.microsoft.com/office/drawing/2014/main" id="{F01A1587-A384-4A7B-8278-B640B3EFF24D}"/>
+              </a:ext>
+            </a:extLst>
+          </p:cNvPr>
+          <p:cNvSpPr txBox="1">
+            <a:spLocks/>
+          </p:cNvSpPr>
+          <p:nvPr/>
+        </p:nvSpPr>
+        <p:spPr>
+          <a:xfrm>
+            <a:off x="983432" y="5034751"/>
+            <a:ext cx="9144000" cy="1319463"/>
+          </a:xfrm>
+          <a:prstGeom prst="rect">
+            <a:avLst/>
+          </a:prstGeom>
+        </p:spPr>
+        <p:txBody>
+          <a:bodyPr vert="horz" lIns="91440" tIns="45720" rIns="91440" bIns="45720" rtlCol="0">
+            <a:normAutofit lnSpcReduction="10000"/>
+          </a:bodyPr>
+          <a:lstStyle>
+            <a:lvl1pPr marL="0" indent="0" algn="ctr" defTabSz="914400" rtl="0" eaLnBrk="1" latinLnBrk="0" hangingPunct="1">
+              <a:lnSpc>
+                <a:spcPct val="90000"/>
+              </a:lnSpc>
+              <a:spcBef>
+                <a:spcPts val="1000"/>
+              </a:spcBef>
+              <a:buFont typeface="Arial" panose="020B0604020202020204" pitchFamily="34" charset="0"/>
+              <a:buNone/>
+              <a:defRPr sz="2400" kern="1200">
+                <a:solidFill>
+                  <a:schemeClr val="tx1"/>
+                </a:solidFill>
+                <a:latin typeface="+mn-lt"/>
+                <a:ea typeface="+mn-ea"/>
+                <a:cs typeface="+mn-cs"/>
+              </a:defRPr>
+            </a:lvl1pPr>
+            <a:lvl2pPr marL="457200" indent="0" algn="ctr" defTabSz="914400" rtl="0" eaLnBrk="1" latinLnBrk="0" hangingPunct="1">
+              <a:lnSpc>
+                <a:spcPct val="90000"/>
+              </a:lnSpc>
+              <a:spcBef>
+                <a:spcPts val="500"/>
+              </a:spcBef>
+              <a:buFont typeface="Arial" panose="020B0604020202020204" pitchFamily="34" charset="0"/>
+              <a:buNone/>
+              <a:defRPr sz="2000" kern="1200">
+                <a:solidFill>
+                  <a:schemeClr val="tx1"/>
+                </a:solidFill>
+                <a:latin typeface="+mn-lt"/>
+                <a:ea typeface="+mn-ea"/>
+                <a:cs typeface="+mn-cs"/>
+              </a:defRPr>
+            </a:lvl2pPr>
+            <a:lvl3pPr marL="914400" indent="0" algn="ctr" defTabSz="914400" rtl="0" eaLnBrk="1" latinLnBrk="0" hangingPunct="1">
+              <a:lnSpc>
+                <a:spcPct val="90000"/>
+              </a:lnSpc>
+              <a:spcBef>
+                <a:spcPts val="500"/>
+              </a:spcBef>
+              <a:buFont typeface="Arial" panose="020B0604020202020204" pitchFamily="34" charset="0"/>
+              <a:buNone/>
+              <a:defRPr sz="1800" kern="1200">
+                <a:solidFill>
+                  <a:schemeClr val="tx1"/>
+                </a:solidFill>
+                <a:latin typeface="+mn-lt"/>
+                <a:ea typeface="+mn-ea"/>
+                <a:cs typeface="+mn-cs"/>
+              </a:defRPr>
+            </a:lvl3pPr>
+            <a:lvl4pPr marL="1371600" indent="0" algn="ctr" defTabSz="914400" rtl="0" eaLnBrk="1" latinLnBrk="0" hangingPunct="1">
+              <a:lnSpc>
+                <a:spcPct val="90000"/>
+              </a:lnSpc>
+              <a:spcBef>
+                <a:spcPts val="500"/>
+              </a:spcBef>
+              <a:buFont typeface="Arial" panose="020B0604020202020204" pitchFamily="34" charset="0"/>
+              <a:buNone/>
+              <a:defRPr sz="1600" kern="1200">
+                <a:solidFill>
+                  <a:schemeClr val="tx1"/>
+                </a:solidFill>
+                <a:latin typeface="+mn-lt"/>
+                <a:ea typeface="+mn-ea"/>
+                <a:cs typeface="+mn-cs"/>
+              </a:defRPr>
+            </a:lvl4pPr>
+            <a:lvl5pPr marL="1828800" indent="0" algn="ctr" defTabSz="914400" rtl="0" eaLnBrk="1" latinLnBrk="0" hangingPunct="1">
+              <a:lnSpc>
+                <a:spcPct val="90000"/>
+              </a:lnSpc>
+              <a:spcBef>
+                <a:spcPts val="500"/>
+              </a:spcBef>
+              <a:buFont typeface="Arial" panose="020B0604020202020204" pitchFamily="34" charset="0"/>
+              <a:buNone/>
+              <a:defRPr sz="1600" kern="1200">
+                <a:solidFill>
+                  <a:schemeClr val="tx1"/>
+                </a:solidFill>
+                <a:latin typeface="+mn-lt"/>
+                <a:ea typeface="+mn-ea"/>
+                <a:cs typeface="+mn-cs"/>
+              </a:defRPr>
+            </a:lvl5pPr>
+            <a:lvl6pPr marL="2286000" indent="0" algn="ctr" defTabSz="914400" rtl="0" eaLnBrk="1" latinLnBrk="0" hangingPunct="1">
+              <a:lnSpc>
+                <a:spcPct val="90000"/>
+              </a:lnSpc>
+              <a:spcBef>
+                <a:spcPts val="500"/>
+              </a:spcBef>
+              <a:buFont typeface="Arial" panose="020B0604020202020204" pitchFamily="34" charset="0"/>
+              <a:buNone/>
+              <a:defRPr sz="1600" kern="1200">
+                <a:solidFill>
+                  <a:schemeClr val="tx1"/>
+                </a:solidFill>
+                <a:latin typeface="+mn-lt"/>
+                <a:ea typeface="+mn-ea"/>
+                <a:cs typeface="+mn-cs"/>
+              </a:defRPr>
+            </a:lvl6pPr>
+            <a:lvl7pPr marL="2743200" indent="0" algn="ctr" defTabSz="914400" rtl="0" eaLnBrk="1" latinLnBrk="0" hangingPunct="1">
+              <a:lnSpc>
+                <a:spcPct val="90000"/>
+              </a:lnSpc>
+              <a:spcBef>
+                <a:spcPts val="500"/>
+              </a:spcBef>
+              <a:buFont typeface="Arial" panose="020B0604020202020204" pitchFamily="34" charset="0"/>
+              <a:buNone/>
+              <a:defRPr sz="1600" kern="1200">
+                <a:solidFill>
+                  <a:schemeClr val="tx1"/>
+                </a:solidFill>
+                <a:latin typeface="+mn-lt"/>
+                <a:ea typeface="+mn-ea"/>
+                <a:cs typeface="+mn-cs"/>
+              </a:defRPr>
+            </a:lvl7pPr>
+            <a:lvl8pPr marL="3200400" indent="0" algn="ctr" defTabSz="914400" rtl="0" eaLnBrk="1" latinLnBrk="0" hangingPunct="1">
+              <a:lnSpc>
+                <a:spcPct val="90000"/>
+              </a:lnSpc>
+              <a:spcBef>
+                <a:spcPts val="500"/>
+              </a:spcBef>
+              <a:buFont typeface="Arial" panose="020B0604020202020204" pitchFamily="34" charset="0"/>
+              <a:buNone/>
+              <a:defRPr sz="1600" kern="1200">
+                <a:solidFill>
+                  <a:schemeClr val="tx1"/>
+                </a:solidFill>
+                <a:latin typeface="+mn-lt"/>
+                <a:ea typeface="+mn-ea"/>
+                <a:cs typeface="+mn-cs"/>
+              </a:defRPr>
+            </a:lvl8pPr>
+            <a:lvl9pPr marL="3657600" indent="0" algn="ctr" defTabSz="914400" rtl="0" eaLnBrk="1" latinLnBrk="0" hangingPunct="1">
+              <a:lnSpc>
+                <a:spcPct val="90000"/>
+              </a:lnSpc>
+              <a:spcBef>
+                <a:spcPts val="500"/>
+              </a:spcBef>
+              <a:buFont typeface="Arial" panose="020B0604020202020204" pitchFamily="34" charset="0"/>
+              <a:buNone/>
+              <a:defRPr sz="1600" kern="1200">
+                <a:solidFill>
+                  <a:schemeClr val="tx1"/>
+                </a:solidFill>
+                <a:latin typeface="+mn-lt"/>
+                <a:ea typeface="+mn-ea"/>
+                <a:cs typeface="+mn-cs"/>
+              </a:defRPr>
+            </a:lvl9pPr>
+          </a:lstStyle>
+          <a:p>
+            <a:pPr algn="l"/>
+            <a:r>
+              <a:rPr lang="en-US" dirty="0"/>
+              <a:t>Ferdinand Mehlan</a:t>
+            </a:r>
+            <a:r>
+              <a:rPr lang="en-US" baseline="30000" dirty="0"/>
+              <a:t>1</a:t>
+            </a:r>
+            <a:r>
+              <a:rPr lang="en-US" dirty="0"/>
+              <a:t>, Florian Claes</a:t>
+            </a:r>
+            <a:r>
+              <a:rPr lang="en-US" baseline="30000" dirty="0"/>
+              <a:t>2</a:t>
+            </a:r>
+            <a:r>
+              <a:rPr lang="en-US" dirty="0"/>
+              <a:t>, Nico </a:t>
+            </a:r>
+            <a:r>
+              <a:rPr lang="en-US" dirty="0" err="1"/>
+              <a:t>Entz</a:t>
+            </a:r>
+            <a:r>
+              <a:rPr lang="en-US" baseline="30000" dirty="0"/>
+              <a:t> 3</a:t>
+            </a:r>
+          </a:p>
+          <a:p>
+            <a:pPr algn="l"/>
+            <a:r>
+              <a:rPr lang="en-US" dirty="0"/>
+              <a:t>Supervised by von Wenckstern</a:t>
+            </a:r>
+            <a:r>
+              <a:rPr lang="en-US" baseline="30000" dirty="0"/>
+              <a:t>1</a:t>
+            </a:r>
+            <a:r>
+              <a:rPr lang="en-US" dirty="0"/>
+              <a:t>, Prof. Rumpe</a:t>
+            </a:r>
+            <a:r>
+              <a:rPr lang="en-US" baseline="30000" dirty="0"/>
+              <a:t>1</a:t>
+            </a:r>
+            <a:endParaRPr lang="en-US" dirty="0"/>
+          </a:p>
+          <a:p>
+            <a:pPr algn="l"/>
+            <a:r>
+              <a:rPr lang="en-US" dirty="0"/>
+              <a:t>RWTH Aachen</a:t>
+            </a:r>
+            <a:endParaRPr lang="de-DE" dirty="0"/>
+          </a:p>
+        </p:txBody>
+      </p:sp>
+      <p:sp>
+        <p:nvSpPr>
+          <p:cNvPr id="8" name="Textfeld 7">
+            <a:extLst>
+              <a:ext uri="{FF2B5EF4-FFF2-40B4-BE49-F238E27FC236}">
+                <a16:creationId xmlns:a16="http://schemas.microsoft.com/office/drawing/2014/main" id="{9383B5A9-A989-46E9-A47A-E234E786F32D}"/>
+              </a:ext>
+            </a:extLst>
+          </p:cNvPr>
+          <p:cNvSpPr txBox="1"/>
+          <p:nvPr/>
+        </p:nvSpPr>
+        <p:spPr>
+          <a:xfrm>
+            <a:off x="7248128" y="5034751"/>
+            <a:ext cx="3768262" cy="1107996"/>
+          </a:xfrm>
+          <a:prstGeom prst="rect">
+            <a:avLst/>
+          </a:prstGeom>
+          <a:noFill/>
+        </p:spPr>
+        <p:txBody>
+          <a:bodyPr wrap="square" rtlCol="0">
+            <a:spAutoFit/>
+          </a:bodyPr>
+          <a:lstStyle/>
+          <a:p>
+            <a:pPr algn="r"/>
+            <a:r>
+              <a:rPr lang="en-US" sz="1600" baseline="30000" dirty="0"/>
+              <a:t>1 </a:t>
+            </a:r>
+            <a:r>
+              <a:rPr lang="de-DE" sz="1600" dirty="0"/>
+              <a:t>Software Engineering RWTH </a:t>
+            </a:r>
+          </a:p>
+          <a:p>
+            <a:pPr algn="r"/>
+            <a:r>
+              <a:rPr lang="de-DE" sz="1600" dirty="0"/>
+              <a:t>Aachen University</a:t>
+            </a:r>
+          </a:p>
+          <a:p>
+            <a:pPr algn="r"/>
+            <a:r>
+              <a:rPr lang="en-US" sz="1600" baseline="30000" dirty="0"/>
+              <a:t>2 </a:t>
+            </a:r>
+            <a:r>
+              <a:rPr lang="de-DE" sz="1600" dirty="0"/>
+              <a:t>MDR </a:t>
+            </a:r>
+            <a:r>
+              <a:rPr lang="de-DE" sz="1600" dirty="0" err="1"/>
+              <a:t>BildungsCentrum</a:t>
+            </a:r>
+            <a:endParaRPr lang="de-DE" sz="1600" dirty="0"/>
+          </a:p>
+          <a:p>
+            <a:pPr algn="r"/>
+            <a:r>
+              <a:rPr lang="en-US" sz="1600" baseline="30000" dirty="0"/>
+              <a:t>3</a:t>
+            </a:r>
+            <a:r>
+              <a:rPr lang="en-US" sz="1600" dirty="0"/>
+              <a:t>NE </a:t>
+            </a:r>
+            <a:r>
+              <a:rPr lang="en-US" sz="1600" dirty="0" err="1"/>
+              <a:t>IT+Media</a:t>
+            </a:r>
+            <a:endParaRPr lang="de-DE" sz="1600" dirty="0"/>
+          </a:p>
+        </p:txBody>
+      </p:sp>
     </p:spTree>
     <p:extLst>
       <p:ext uri="{BB962C8B-B14F-4D97-AF65-F5344CB8AC3E}">
@@ -2222,8 +2474,8 @@
         </p:nvSpPr>
         <p:spPr>
           <a:xfrm>
-            <a:off x="288758" y="737938"/>
-            <a:ext cx="11630526" cy="4130842"/>
+            <a:off x="407368" y="1169986"/>
+            <a:ext cx="11630526" cy="3627166"/>
           </a:xfrm>
         </p:spPr>
         <p:txBody>
@@ -2304,8 +2556,11 @@
             </a:r>
             <a:r>
               <a:rPr lang="en-US" dirty="0"/>
-              <a:t>be"</a:t>
-            </a:r>
+              <a:t>be“</a:t>
+            </a:r>
+            <a:br>
+              <a:rPr lang="en-US" dirty="0"/>
+            </a:br>
             <a:endParaRPr lang="de-DE" dirty="0"/>
           </a:p>
         </p:txBody>
@@ -2313,21 +2568,21 @@
     </p:spTree>
     <p:extLst>
       <p:ext uri="{BB962C8B-B14F-4D97-AF65-F5344CB8AC3E}">
-        <p14:creationId xmlns:p14="http://schemas.microsoft.com/office/powerpoint/2010/main" val="1119688863"/>
+        <p14:creationId xmlns:p14="http://schemas.microsoft.com/office/powerpoint/2010/main" val="3563459170"/>
       </p:ext>
     </p:extLst>
   </p:cSld>
   <p:clrMapOvr>
     <a:masterClrMapping/>
   </p:clrMapOvr>
-  <mc:AlternateContent xmlns:mc="http://schemas.openxmlformats.org/markup-compatibility/2006" xmlns:p14="http://schemas.microsoft.com/office/powerpoint/2010/main">
-    <mc:Choice Requires="p14">
-      <p:transition spd="slow" p14:dur="2000" advTm="2530">
+  <mc:AlternateContent xmlns:mc="http://schemas.openxmlformats.org/markup-compatibility/2006">
+    <mc:Choice xmlns:p14="http://schemas.microsoft.com/office/powerpoint/2010/main" Requires="p14">
+      <p:transition spd="slow" p14:dur="1750" advTm="2289">
         <p:fade/>
       </p:transition>
     </mc:Choice>
-    <mc:Fallback xmlns="">
-      <p:transition spd="slow" advTm="2530">
+    <mc:Fallback>
+      <p:transition spd="slow" advTm="2289">
         <p:fade/>
       </p:transition>
     </mc:Fallback>

--- a/Video/intro.pptx
+++ b/Video/intro.pptx
@@ -1986,7 +1986,7 @@
             </a:br>
             <a:r>
               <a:rPr lang="en-US" dirty="0"/>
-              <a:t> "</a:t>
+              <a:t> “</a:t>
             </a:r>
             <a:r>
               <a:rPr lang="en-US" dirty="0">
@@ -2042,7 +2042,7 @@
             </a:r>
             <a:r>
               <a:rPr lang="en-US" dirty="0"/>
-              <a:t>be“</a:t>
+              <a:t>be”</a:t>
             </a:r>
             <a:br>
               <a:rPr lang="en-US" dirty="0"/>
@@ -2499,11 +2499,11 @@
               <a:rPr lang="en-US" dirty="0"/>
             </a:br>
             <a:r>
-              <a:rPr lang="en-US" dirty="0"/>
-              <a:t> "</a:t>
-            </a:r>
-            <a:r>
-              <a:rPr lang="en-US" dirty="0">
+              <a:rPr lang="en-US"/>
+              <a:t> “</a:t>
+            </a:r>
+            <a:r>
+              <a:rPr lang="en-US">
                 <a:solidFill>
                   <a:srgbClr val="00549F"/>
                 </a:solidFill>
@@ -2511,7 +2511,7 @@
               <a:t>H</a:t>
             </a:r>
             <a:r>
-              <a:rPr lang="en-US" dirty="0"/>
+              <a:rPr lang="en-US"/>
               <a:t>igh </a:t>
             </a:r>
             <a:r>
@@ -2575,13 +2575,13 @@
   <p:clrMapOvr>
     <a:masterClrMapping/>
   </p:clrMapOvr>
-  <mc:AlternateContent xmlns:mc="http://schemas.openxmlformats.org/markup-compatibility/2006">
-    <mc:Choice xmlns:p14="http://schemas.microsoft.com/office/powerpoint/2010/main" Requires="p14">
+  <mc:AlternateContent xmlns:mc="http://schemas.openxmlformats.org/markup-compatibility/2006" xmlns:p14="http://schemas.microsoft.com/office/powerpoint/2010/main">
+    <mc:Choice Requires="p14">
       <p:transition spd="slow" p14:dur="1750" advTm="2289">
         <p:fade/>
       </p:transition>
     </mc:Choice>
-    <mc:Fallback>
+    <mc:Fallback xmlns="">
       <p:transition spd="slow" advTm="2289">
         <p:fade/>
       </p:transition>
